--- a/docs/setting-samples-servicenow-install_ja.pptx
+++ b/docs/setting-samples-servicenow-install_ja.pptx
@@ -409,7 +409,7 @@
               <a:rPr kumimoji="1" lang="ja-JP" altLang="en-US" smtClean="0">
                 <a:ea typeface="メイリオ" panose="020B0604030504040204" pitchFamily="50" charset="-128"/>
               </a:rPr>
-              <a:t>2021/7/20</a:t>
+              <a:t>2021/7/21</a:t>
             </a:fld>
             <a:endParaRPr kumimoji="1" lang="ja-JP" altLang="en-US" dirty="0">
               <a:ea typeface="メイリオ" panose="020B0604030504040204" pitchFamily="50" charset="-128"/>
@@ -555,7 +555,7 @@
             <a:fld id="{4B26993D-C081-44EB-B0F5-A9F467792B62}" type="datetimeFigureOut">
               <a:rPr lang="ja-JP" altLang="en-US" smtClean="0"/>
               <a:pPr/>
-              <a:t>2021/7/20</a:t>
+              <a:t>2021/7/21</a:t>
             </a:fld>
             <a:endParaRPr lang="ja-JP" altLang="en-US" dirty="0"/>
           </a:p>
@@ -1441,7 +1441,7 @@
           <a:p>
             <a:fld id="{98DF7B58-CA8C-4B8C-8B42-BBA3C1BC04D7}" type="datetimeFigureOut">
               <a:rPr kumimoji="1" lang="ja-JP" altLang="en-US" smtClean="0"/>
-              <a:t>2021/7/20</a:t>
+              <a:t>2021/7/21</a:t>
             </a:fld>
             <a:endParaRPr kumimoji="1" lang="ja-JP" altLang="en-US"/>
           </a:p>
@@ -3762,7 +3762,7 @@
               <a:defRPr/>
             </a:pPr>
             <a:r>
-              <a:rPr kumimoji="1" lang="en-US" altLang="ja-JP" sz="800" b="0" i="0" u="none" strike="noStrike" kern="1200" cap="none" spc="0" normalizeH="0" baseline="0" noProof="0" dirty="0" err="1" smtClean="0">
+              <a:rPr kumimoji="1" lang="en-US" altLang="ja-JP" sz="800" b="0" i="0" u="none" strike="noStrike" kern="1200" cap="none" spc="0" normalizeH="0" baseline="0" noProof="0" dirty="0" smtClean="0">
                 <a:ln>
                   <a:noFill/>
                 </a:ln>
@@ -3778,20 +3778,6 @@
               </a:rPr>
               <a:t>Exastro</a:t>
             </a:r>
-            <a:endParaRPr kumimoji="1" lang="en-US" altLang="ja-JP" sz="800" b="0" i="0" u="none" strike="noStrike" kern="1200" cap="none" spc="0" normalizeH="0" baseline="0" noProof="0" dirty="0" smtClean="0">
-              <a:ln>
-                <a:noFill/>
-              </a:ln>
-              <a:solidFill>
-                <a:srgbClr val="FFFFFF"/>
-              </a:solidFill>
-              <a:effectLst/>
-              <a:uLnTx/>
-              <a:uFillTx/>
-              <a:latin typeface="+mn-lt"/>
-              <a:ea typeface="+mn-ea"/>
-              <a:cs typeface="+mn-cs"/>
-            </a:endParaRPr>
           </a:p>
         </p:txBody>
       </p:sp>
@@ -4293,12 +4279,9 @@
             </a:br>
             <a:r>
               <a:rPr lang="ja-JP" altLang="en-US" sz="4800" b="1" dirty="0" smtClean="0"/>
-              <a:t>導入手順</a:t>
-            </a:r>
-            <a:r>
-              <a:rPr lang="ja-JP" altLang="en-US" sz="4800" b="1" dirty="0"/>
-              <a:t>書</a:t>
-            </a:r>
+              <a:t>導入手順書</a:t>
+            </a:r>
+            <a:endParaRPr lang="ja-JP" altLang="en-US" sz="4800" b="1" dirty="0"/>
           </a:p>
         </p:txBody>
       </p:sp>
@@ -8295,16 +8278,20 @@
               <a:t>URL          :</a:t>
             </a:r>
             <a:r>
-              <a:rPr kumimoji="1" lang="ja-JP" altLang="en-US" dirty="0" smtClean="0"/>
-              <a:t>　</a:t>
+              <a:rPr lang="ja-JP" altLang="en-US" dirty="0"/>
+              <a:t> </a:t>
+            </a:r>
+            <a:r>
+              <a:rPr lang="en-US" altLang="ja-JP" dirty="0" smtClean="0"/>
+              <a:t>https</a:t>
             </a:r>
             <a:r>
               <a:rPr lang="en-US" altLang="ja-JP" dirty="0"/>
-              <a:t>https://</a:t>
+              <a:t>://</a:t>
             </a:r>
             <a:r>
               <a:rPr lang="en-US" altLang="ja-JP" dirty="0" smtClean="0"/>
-              <a:t>github.com/exastro-suite/Settings-CloudSystemTemplate-XXX/releases</a:t>
+              <a:t>github.com/exastro-suite/SettingSamples-ServiceNow/releases</a:t>
             </a:r>
             <a:endParaRPr lang="en-US" altLang="ja-JP" dirty="0"/>
           </a:p>
@@ -8321,8 +8308,8 @@
               <a:t>:</a:t>
             </a:r>
             <a:r>
-              <a:rPr lang="ja-JP" altLang="en-US" dirty="0" smtClean="0"/>
-              <a:t>　</a:t>
+              <a:rPr lang="ja-JP" altLang="en-US" dirty="0"/>
+              <a:t> </a:t>
             </a:r>
             <a:r>
               <a:rPr lang="en-US" altLang="ja-JP" dirty="0" smtClean="0">
@@ -8330,18 +8317,8 @@
                   <a:srgbClr val="FF0000"/>
                 </a:solidFill>
               </a:rPr>
-              <a:t>cloud-system-template-servicenow-ce-1.0.0-exastro-1.7.2.kym</a:t>
-            </a:r>
-            <a:endParaRPr lang="en-US" altLang="ja-JP" dirty="0">
-              <a:solidFill>
-                <a:srgbClr val="FF0000"/>
-              </a:solidFill>
-            </a:endParaRPr>
-          </a:p>
-          <a:p>
-            <a:pPr marL="179996" lvl="1" indent="0">
-              <a:buNone/>
-            </a:pPr>
+              <a:t>setting-samples-servicenow-1.0.0-exastro-1.7.2.kym</a:t>
+            </a:r>
             <a:endParaRPr lang="en-US" altLang="ja-JP" dirty="0">
               <a:solidFill>
                 <a:srgbClr val="FF0000"/>
@@ -8500,12 +8477,8 @@
           <a:p>
             <a:pPr marL="465746" lvl="1" indent="-285750"/>
             <a:r>
-              <a:rPr lang="en-US" altLang="ja-JP" dirty="0" err="1" smtClean="0"/>
-              <a:t>Exastro</a:t>
-            </a:r>
-            <a:r>
               <a:rPr lang="en-US" altLang="ja-JP" dirty="0" smtClean="0"/>
-              <a:t> ITA</a:t>
+              <a:t>Exastro ITA</a:t>
             </a:r>
             <a:r>
               <a:rPr lang="ja-JP" altLang="en-US" dirty="0" smtClean="0"/>
@@ -8560,12 +8533,8 @@
               <a:t>連携モデル導入ファイル（</a:t>
             </a:r>
             <a:r>
-              <a:rPr lang="en-US" altLang="ja-JP" dirty="0"/>
-              <a:t> </a:t>
-            </a:r>
-            <a:r>
               <a:rPr lang="en-US" altLang="ja-JP" dirty="0" smtClean="0"/>
-              <a:t>cloud-system-template-servicenow-ce-1.0.0-exastro-1.7.2</a:t>
+              <a:t>setting-samples-servicenow-1.0.0-exastro-1.7.2.kym</a:t>
             </a:r>
             <a:r>
               <a:rPr lang="ja-JP" altLang="en-US" dirty="0" smtClean="0"/>
@@ -10640,7 +10609,7 @@
               <a:t>「</a:t>
             </a:r>
             <a:r>
-              <a:rPr lang="en-US" altLang="ja-JP" dirty="0" err="1" smtClean="0"/>
+              <a:rPr lang="en-US" altLang="ja-JP" dirty="0" smtClean="0"/>
               <a:t>Ansible</a:t>
             </a:r>
             <a:r>
@@ -11685,7 +11654,7 @@
               <a:t>「</a:t>
             </a:r>
             <a:r>
-              <a:rPr lang="en-US" altLang="ja-JP" dirty="0" err="1" smtClean="0"/>
+              <a:rPr lang="en-US" altLang="ja-JP" dirty="0" smtClean="0"/>
               <a:t>Ansible</a:t>
             </a:r>
             <a:r>
@@ -12849,7 +12818,7 @@
               <a:t>「</a:t>
             </a:r>
             <a:r>
-              <a:rPr lang="en-US" altLang="ja-JP" dirty="0" err="1" smtClean="0"/>
+              <a:rPr lang="en-US" altLang="ja-JP" dirty="0" smtClean="0"/>
               <a:t>Ansible</a:t>
             </a:r>
             <a:r>
@@ -22479,14 +22448,6 @@
           <a:lstStyle/>
           <a:p>
             <a:r>
-              <a:rPr lang="en-US" altLang="ja-JP" dirty="0" err="1" smtClean="0"/>
-              <a:t>CloudSystem</a:t>
-            </a:r>
-            <a:r>
-              <a:rPr lang="ja-JP" altLang="en-US" dirty="0" smtClean="0"/>
-              <a:t>テンプレート </a:t>
-            </a:r>
-            <a:r>
               <a:rPr lang="en-US" altLang="ja-JP" dirty="0" smtClean="0"/>
               <a:t>ServiceNow</a:t>
             </a:r>
@@ -22499,51 +22460,27 @@
           <a:p>
             <a:pPr lvl="1"/>
             <a:r>
-              <a:rPr lang="en-US" altLang="ja-JP" dirty="0" err="1" smtClean="0"/>
-              <a:t>CloudSystem</a:t>
+              <a:rPr lang="en-US" altLang="ja-JP" dirty="0" smtClean="0"/>
+              <a:t>Setting samples</a:t>
             </a:r>
             <a:r>
               <a:rPr lang="ja-JP" altLang="en-US" dirty="0" smtClean="0"/>
-              <a:t>テンプレート</a:t>
+              <a:t>のテンプレート集の一つ。</a:t>
+            </a:r>
+            <a:endParaRPr lang="en-US" altLang="ja-JP" dirty="0" smtClean="0"/>
+          </a:p>
+          <a:p>
+            <a:pPr lvl="1"/>
+            <a:r>
+              <a:rPr lang="en-US" altLang="ja-JP" dirty="0"/>
+              <a:t>Setting samples</a:t>
+            </a:r>
+            <a:r>
+              <a:rPr lang="ja-JP" altLang="en-US" dirty="0" smtClean="0"/>
+              <a:t>は</a:t>
             </a:r>
             <a:r>
               <a:rPr lang="en-US" altLang="ja-JP" dirty="0" smtClean="0"/>
-              <a:t>(</a:t>
-            </a:r>
-            <a:r>
-              <a:rPr lang="ja-JP" altLang="en-US" dirty="0" smtClean="0"/>
-              <a:t>以降は</a:t>
-            </a:r>
-            <a:r>
-              <a:rPr lang="en-US" altLang="ja-JP" dirty="0" smtClean="0"/>
-              <a:t>CS</a:t>
-            </a:r>
-            <a:r>
-              <a:rPr lang="ja-JP" altLang="en-US" dirty="0" smtClean="0"/>
-              <a:t>テンプレート</a:t>
-            </a:r>
-            <a:r>
-              <a:rPr lang="en-US" altLang="ja-JP" dirty="0" smtClean="0"/>
-              <a:t>)</a:t>
-            </a:r>
-            <a:r>
-              <a:rPr lang="ja-JP" altLang="en-US" dirty="0" smtClean="0"/>
-              <a:t>シリーズの一つ。</a:t>
-            </a:r>
-            <a:endParaRPr lang="en-US" altLang="ja-JP" dirty="0" smtClean="0"/>
-          </a:p>
-          <a:p>
-            <a:pPr lvl="1"/>
-            <a:r>
-              <a:rPr lang="en-US" altLang="ja-JP" dirty="0" smtClean="0"/>
-              <a:t>CS</a:t>
-            </a:r>
-            <a:r>
-              <a:rPr lang="ja-JP" altLang="en-US" dirty="0" smtClean="0"/>
-              <a:t>テンプレートは</a:t>
-            </a:r>
-            <a:r>
-              <a:rPr lang="en-US" altLang="ja-JP" dirty="0" err="1" smtClean="0"/>
               <a:t>Exastro</a:t>
             </a:r>
             <a:r>
@@ -22566,11 +22503,11 @@
             </a:pPr>
             <a:r>
               <a:rPr lang="en-US" altLang="ja-JP" dirty="0" smtClean="0"/>
-              <a:t>CS</a:t>
+              <a:t>   </a:t>
             </a:r>
             <a:r>
               <a:rPr lang="ja-JP" altLang="en-US" dirty="0" smtClean="0"/>
-              <a:t>テンプレートを</a:t>
+              <a:t>本カートリッジを</a:t>
             </a:r>
             <a:r>
               <a:rPr lang="en-US" altLang="ja-JP" dirty="0" smtClean="0"/>
@@ -22586,7 +22523,15 @@
             </a:r>
             <a:r>
               <a:rPr lang="ja-JP" altLang="en-US" dirty="0" smtClean="0"/>
-              <a:t>から各システムの自動構築が可能となる。</a:t>
+              <a:t>から各システムや</a:t>
+            </a:r>
+            <a:r>
+              <a:rPr lang="en-US" altLang="ja-JP" dirty="0" smtClean="0"/>
+              <a:t>CMDB</a:t>
+            </a:r>
+            <a:r>
+              <a:rPr lang="ja-JP" altLang="en-US" dirty="0" smtClean="0"/>
+              <a:t>の自動構築が可能となる。</a:t>
             </a:r>
             <a:endParaRPr lang="en-US" altLang="ja-JP" dirty="0" smtClean="0"/>
           </a:p>
@@ -22873,7 +22818,7 @@
           <a:p>
             <a:pPr lvl="1"/>
             <a:r>
-              <a:rPr lang="en-US" altLang="ja-JP" kern="0" dirty="0" err="1" smtClean="0"/>
+              <a:rPr lang="en-US" altLang="ja-JP" kern="0" dirty="0" smtClean="0"/>
               <a:t>Exastro</a:t>
             </a:r>
             <a:r>
@@ -22889,7 +22834,7 @@
               <a:t>から</a:t>
             </a:r>
             <a:r>
-              <a:rPr lang="en-US" altLang="ja-JP" kern="0" dirty="0" err="1" smtClean="0"/>
+              <a:rPr lang="en-US" altLang="ja-JP" kern="0" dirty="0" smtClean="0"/>
               <a:t>Ansible</a:t>
             </a:r>
             <a:r>
@@ -24091,18 +24036,11 @@
               <a:buNone/>
             </a:pPr>
             <a:r>
-              <a:rPr lang="en-US" altLang="ja-JP" sz="1600" dirty="0" err="1" smtClean="0">
+              <a:rPr lang="en-US" altLang="ja-JP" sz="1600" dirty="0" smtClean="0">
                 <a:latin typeface="+mn-ea"/>
                 <a:hlinkClick r:id="rId3"/>
               </a:rPr>
-              <a:t>Exastro</a:t>
-            </a:r>
-            <a:r>
-              <a:rPr lang="en-US" altLang="ja-JP" sz="1600" dirty="0" smtClean="0">
-                <a:latin typeface="+mn-ea"/>
-                <a:hlinkClick r:id="rId3"/>
-              </a:rPr>
-              <a:t>-ITA_</a:t>
+              <a:t>Exastro-ITA_</a:t>
             </a:r>
             <a:r>
               <a:rPr lang="ja-JP" altLang="en-US" sz="1600" dirty="0" smtClean="0">
@@ -24306,18 +24244,11 @@
               <a:t>  </a:t>
             </a:r>
             <a:r>
-              <a:rPr lang="en-US" altLang="ja-JP" sz="1200" dirty="0" err="1" smtClean="0">
+              <a:rPr lang="en-US" altLang="ja-JP" sz="1200" dirty="0" smtClean="0">
                 <a:latin typeface="+mn-ea"/>
                 <a:hlinkClick r:id="rId4"/>
               </a:rPr>
-              <a:t>Exastro</a:t>
-            </a:r>
-            <a:r>
-              <a:rPr lang="en-US" altLang="ja-JP" sz="1200" dirty="0" smtClean="0">
-                <a:latin typeface="+mn-ea"/>
-                <a:hlinkClick r:id="rId4"/>
-              </a:rPr>
-              <a:t>-ITA_</a:t>
+              <a:t>Exastro-ITA_</a:t>
             </a:r>
             <a:r>
               <a:rPr lang="ja-JP" altLang="en-US" sz="1200" dirty="0" smtClean="0">
@@ -29946,7 +29877,7 @@
               <a:t> / 2. </a:t>
             </a:r>
             <a:r>
-              <a:rPr lang="en-US" altLang="ja-JP" sz="2400" kern="0" dirty="0" err="1" smtClean="0"/>
+              <a:rPr lang="en-US" altLang="ja-JP" sz="2400" kern="0" dirty="0" smtClean="0"/>
               <a:t>ServieNow</a:t>
             </a:r>
             <a:r>
@@ -30134,17 +30065,6 @@
           <a:p>
             <a:pPr algn="ctr"/>
             <a:r>
-              <a:rPr lang="en-US" altLang="ja-JP" sz="1000" dirty="0" err="1">
-                <a:effectLst>
-                  <a:glow rad="127000">
-                    <a:schemeClr val="bg1"/>
-                  </a:glow>
-                </a:effectLst>
-                <a:hlinkClick r:id="rId5"/>
-              </a:rPr>
-              <a:t>Exastro</a:t>
-            </a:r>
-            <a:r>
               <a:rPr lang="en-US" altLang="ja-JP" sz="1000" dirty="0">
                 <a:effectLst>
                   <a:glow rad="127000">
@@ -30153,7 +30073,7 @@
                 </a:effectLst>
                 <a:hlinkClick r:id="rId5"/>
               </a:rPr>
-              <a:t> Playbook Collection</a:t>
+              <a:t>Exastro Playbook Collection</a:t>
             </a:r>
             <a:r>
               <a:rPr lang="ja-JP" altLang="en-US" sz="1000" dirty="0">
@@ -37789,7 +37709,7 @@
                         <a:t>・</a:t>
                       </a:r>
                       <a:r>
-                        <a:rPr lang="en-US" altLang="ja-JP" sz="1400" dirty="0" err="1" smtClean="0"/>
+                        <a:rPr lang="en-US" altLang="ja-JP" sz="1400" dirty="0" smtClean="0"/>
                         <a:t>Exastro</a:t>
                       </a:r>
                       <a:r>
@@ -39642,7 +39562,7 @@
               <a:t>「</a:t>
             </a:r>
             <a:r>
-              <a:rPr lang="en-US" altLang="ja-JP" dirty="0" err="1" smtClean="0"/>
+              <a:rPr lang="en-US" altLang="ja-JP" dirty="0" smtClean="0"/>
               <a:t>Ansible</a:t>
             </a:r>
             <a:r>
@@ -42508,19 +42428,7 @@
               <a:rPr lang="en-US" altLang="ja-JP" sz="1400" dirty="0">
                 <a:latin typeface="+mn-ea"/>
               </a:rPr>
-              <a:t> [</a:t>
-            </a:r>
-            <a:r>
-              <a:rPr lang="en-US" altLang="ja-JP" sz="1400" dirty="0" err="1">
-                <a:latin typeface="+mn-ea"/>
-              </a:rPr>
-              <a:t>Exastro</a:t>
-            </a:r>
-            <a:r>
-              <a:rPr lang="en-US" altLang="ja-JP" sz="1400" dirty="0">
-                <a:latin typeface="+mn-ea"/>
-              </a:rPr>
-              <a:t> IT Automation </a:t>
+              <a:t> [Exastro IT Automation </a:t>
             </a:r>
             <a:r>
               <a:rPr lang="ja-JP" altLang="en-US" sz="1400" dirty="0">

--- a/docs/setting-samples-servicenow-install_ja.pptx
+++ b/docs/setting-samples-servicenow-install_ja.pptx
@@ -409,7 +409,7 @@
               <a:rPr kumimoji="1" lang="ja-JP" altLang="en-US" smtClean="0">
                 <a:ea typeface="メイリオ" panose="020B0604030504040204" pitchFamily="50" charset="-128"/>
               </a:rPr>
-              <a:t>2021/7/21</a:t>
+              <a:t>2021/7/27</a:t>
             </a:fld>
             <a:endParaRPr kumimoji="1" lang="ja-JP" altLang="en-US" dirty="0">
               <a:ea typeface="メイリオ" panose="020B0604030504040204" pitchFamily="50" charset="-128"/>
@@ -555,7 +555,7 @@
             <a:fld id="{4B26993D-C081-44EB-B0F5-A9F467792B62}" type="datetimeFigureOut">
               <a:rPr lang="ja-JP" altLang="en-US" smtClean="0"/>
               <a:pPr/>
-              <a:t>2021/7/21</a:t>
+              <a:t>2021/7/27</a:t>
             </a:fld>
             <a:endParaRPr lang="ja-JP" altLang="en-US" dirty="0"/>
           </a:p>
@@ -1441,7 +1441,7 @@
           <a:p>
             <a:fld id="{98DF7B58-CA8C-4B8C-8B42-BBA3C1BC04D7}" type="datetimeFigureOut">
               <a:rPr kumimoji="1" lang="ja-JP" altLang="en-US" smtClean="0"/>
-              <a:t>2021/7/21</a:t>
+              <a:t>2021/7/27</a:t>
             </a:fld>
             <a:endParaRPr kumimoji="1" lang="ja-JP" altLang="en-US"/>
           </a:p>
@@ -13410,7 +13410,7 @@
           <p:nvPr>
             <p:extLst>
               <p:ext uri="{D42A27DB-BD31-4B8C-83A1-F6EECF244321}">
-                <p14:modId xmlns:p14="http://schemas.microsoft.com/office/powerpoint/2010/main" val="1466580416"/>
+                <p14:modId xmlns:p14="http://schemas.microsoft.com/office/powerpoint/2010/main" val="4168394144"/>
               </p:ext>
             </p:extLst>
           </p:nvPr>
@@ -13870,7 +13870,7 @@
                     <a:p>
                       <a:r>
                         <a:rPr kumimoji="1" lang="ja-JP" altLang="en-US" dirty="0" smtClean="0"/>
-                        <a:t>削除回避フラグ</a:t>
+                        <a:t>削除実行フラグ</a:t>
                       </a:r>
                       <a:r>
                         <a:rPr kumimoji="1" lang="en-US" altLang="ja-JP" dirty="0" smtClean="0"/>
@@ -13878,7 +13878,11 @@
                       </a:r>
                       <a:r>
                         <a:rPr kumimoji="1" lang="ja-JP" altLang="en-US" dirty="0" smtClean="0"/>
-                        <a:t>の場合：スキップ</a:t>
+                        <a:t>の場合</a:t>
+                      </a:r>
+                      <a:r>
+                        <a:rPr kumimoji="1" lang="ja-JP" altLang="en-US" dirty="0" smtClean="0"/>
+                        <a:t>：削除</a:t>
                       </a:r>
                       <a:endParaRPr kumimoji="1" lang="ja-JP" altLang="en-US" dirty="0"/>
                     </a:p>
@@ -13940,7 +13944,7 @@
                       </a:pPr>
                       <a:r>
                         <a:rPr kumimoji="1" lang="ja-JP" altLang="en-US" dirty="0" smtClean="0"/>
-                        <a:t>削除回避フラグ</a:t>
+                        <a:t>削除実行フラグ</a:t>
                       </a:r>
                       <a:r>
                         <a:rPr kumimoji="1" lang="en-US" altLang="ja-JP" dirty="0" smtClean="0"/>
@@ -13948,8 +13952,13 @@
                       </a:r>
                       <a:r>
                         <a:rPr kumimoji="1" lang="ja-JP" altLang="en-US" dirty="0" smtClean="0"/>
-                        <a:t>の場合：削除</a:t>
+                        <a:t>の場合</a:t>
                       </a:r>
+                      <a:r>
+                        <a:rPr kumimoji="1" lang="ja-JP" altLang="en-US" dirty="0" smtClean="0"/>
+                        <a:t>：スキップ</a:t>
+                      </a:r>
+                      <a:endParaRPr kumimoji="1" lang="ja-JP" altLang="en-US" dirty="0" smtClean="0"/>
                     </a:p>
                   </a:txBody>
                   <a:tcPr anchor="ctr">

--- a/docs/setting-samples-servicenow-install_ja.pptx
+++ b/docs/setting-samples-servicenow-install_ja.pptx
@@ -1389,6 +1389,13 @@
         </dgm:presLayoutVars>
       </dgm:prSet>
       <dgm:spPr/>
+      <dgm:t>
+        <a:bodyPr/>
+        <a:lstStyle/>
+        <a:p>
+          <a:endParaRPr kumimoji="1" lang="ja-JP" altLang="en-US"/>
+        </a:p>
+      </dgm:t>
     </dgm:pt>
     <dgm:pt modelId="{1590779C-7EF1-40B3-ADEF-E7F4C5EA3ED7}" type="pres">
       <dgm:prSet presAssocID="{1AD8B276-4C5D-43A5-AC5D-E28FFE0A25E8}" presName="boxAndChildren" presStyleCnt="0"/>
@@ -1397,10 +1404,24 @@
     <dgm:pt modelId="{57C7292B-5FEA-4490-A7F1-829309F5EDFD}" type="pres">
       <dgm:prSet presAssocID="{1AD8B276-4C5D-43A5-AC5D-E28FFE0A25E8}" presName="parentTextBox" presStyleLbl="node1" presStyleIdx="0" presStyleCnt="4"/>
       <dgm:spPr/>
+      <dgm:t>
+        <a:bodyPr/>
+        <a:lstStyle/>
+        <a:p>
+          <a:endParaRPr kumimoji="1" lang="ja-JP" altLang="en-US"/>
+        </a:p>
+      </dgm:t>
     </dgm:pt>
     <dgm:pt modelId="{E410BAB3-9EFA-4147-A6B9-FE796909F42C}" type="pres">
       <dgm:prSet presAssocID="{1AD8B276-4C5D-43A5-AC5D-E28FFE0A25E8}" presName="entireBox" presStyleLbl="node1" presStyleIdx="0" presStyleCnt="4"/>
       <dgm:spPr/>
+      <dgm:t>
+        <a:bodyPr/>
+        <a:lstStyle/>
+        <a:p>
+          <a:endParaRPr kumimoji="1" lang="ja-JP" altLang="en-US"/>
+        </a:p>
+      </dgm:t>
     </dgm:pt>
     <dgm:pt modelId="{CC11D48D-17C7-4568-9109-EA3F4BBB3DD6}" type="pres">
       <dgm:prSet presAssocID="{1AD8B276-4C5D-43A5-AC5D-E28FFE0A25E8}" presName="descendantBox" presStyleCnt="0"/>
@@ -1413,6 +1434,13 @@
         </dgm:presLayoutVars>
       </dgm:prSet>
       <dgm:spPr/>
+      <dgm:t>
+        <a:bodyPr/>
+        <a:lstStyle/>
+        <a:p>
+          <a:endParaRPr kumimoji="1" lang="ja-JP" altLang="en-US"/>
+        </a:p>
+      </dgm:t>
     </dgm:pt>
     <dgm:pt modelId="{F673F600-735C-4C2A-AF40-169C3DAADD01}" type="pres">
       <dgm:prSet presAssocID="{ABD979B8-BA6F-4A5F-90A0-4BC08C270A91}" presName="sp" presStyleCnt="0"/>
@@ -1425,10 +1453,24 @@
     <dgm:pt modelId="{815C2DB6-5EE1-417A-A584-55A13AB6F5E9}" type="pres">
       <dgm:prSet presAssocID="{9D8FC107-15BF-43C3-9F5B-A423269052EC}" presName="parentTextArrow" presStyleLbl="node1" presStyleIdx="0" presStyleCnt="4"/>
       <dgm:spPr/>
+      <dgm:t>
+        <a:bodyPr/>
+        <a:lstStyle/>
+        <a:p>
+          <a:endParaRPr kumimoji="1" lang="ja-JP" altLang="en-US"/>
+        </a:p>
+      </dgm:t>
     </dgm:pt>
     <dgm:pt modelId="{B97D71DB-AA15-4CB8-8A3D-F5575E893CCD}" type="pres">
       <dgm:prSet presAssocID="{9D8FC107-15BF-43C3-9F5B-A423269052EC}" presName="arrow" presStyleLbl="node1" presStyleIdx="1" presStyleCnt="4"/>
       <dgm:spPr/>
+      <dgm:t>
+        <a:bodyPr/>
+        <a:lstStyle/>
+        <a:p>
+          <a:endParaRPr kumimoji="1" lang="ja-JP" altLang="en-US"/>
+        </a:p>
+      </dgm:t>
     </dgm:pt>
     <dgm:pt modelId="{C2AE0336-E7D4-4016-9BAB-CE33D7608124}" type="pres">
       <dgm:prSet presAssocID="{9D8FC107-15BF-43C3-9F5B-A423269052EC}" presName="descendantArrow" presStyleCnt="0"/>
@@ -1441,6 +1483,13 @@
         </dgm:presLayoutVars>
       </dgm:prSet>
       <dgm:spPr/>
+      <dgm:t>
+        <a:bodyPr/>
+        <a:lstStyle/>
+        <a:p>
+          <a:endParaRPr kumimoji="1" lang="ja-JP" altLang="en-US"/>
+        </a:p>
+      </dgm:t>
     </dgm:pt>
     <dgm:pt modelId="{7A822779-E372-4870-AA55-1BEF15C2894D}" type="pres">
       <dgm:prSet presAssocID="{36C7FED4-A680-40AF-9485-662ABE09B1A5}" presName="sp" presStyleCnt="0"/>
@@ -1453,10 +1502,24 @@
     <dgm:pt modelId="{AE90339B-2B8D-4179-9EC4-906372D4BFE7}" type="pres">
       <dgm:prSet presAssocID="{F0EC518C-1EA5-431A-B4C0-34DF6146AFF4}" presName="parentTextArrow" presStyleLbl="node1" presStyleIdx="1" presStyleCnt="4"/>
       <dgm:spPr/>
+      <dgm:t>
+        <a:bodyPr/>
+        <a:lstStyle/>
+        <a:p>
+          <a:endParaRPr kumimoji="1" lang="ja-JP" altLang="en-US"/>
+        </a:p>
+      </dgm:t>
     </dgm:pt>
     <dgm:pt modelId="{1F025B89-C941-4E85-920E-D6908DEE2142}" type="pres">
       <dgm:prSet presAssocID="{F0EC518C-1EA5-431A-B4C0-34DF6146AFF4}" presName="arrow" presStyleLbl="node1" presStyleIdx="2" presStyleCnt="4"/>
       <dgm:spPr/>
+      <dgm:t>
+        <a:bodyPr/>
+        <a:lstStyle/>
+        <a:p>
+          <a:endParaRPr kumimoji="1" lang="ja-JP" altLang="en-US"/>
+        </a:p>
+      </dgm:t>
     </dgm:pt>
     <dgm:pt modelId="{ABBE4BB2-6BB2-4CB2-A291-E422509700E6}" type="pres">
       <dgm:prSet presAssocID="{F0EC518C-1EA5-431A-B4C0-34DF6146AFF4}" presName="descendantArrow" presStyleCnt="0"/>
@@ -1469,6 +1532,13 @@
         </dgm:presLayoutVars>
       </dgm:prSet>
       <dgm:spPr/>
+      <dgm:t>
+        <a:bodyPr/>
+        <a:lstStyle/>
+        <a:p>
+          <a:endParaRPr kumimoji="1" lang="ja-JP" altLang="en-US"/>
+        </a:p>
+      </dgm:t>
     </dgm:pt>
     <dgm:pt modelId="{148ED98D-6187-472B-B9D5-B5CDF18E0414}" type="pres">
       <dgm:prSet presAssocID="{5B557859-CDD4-4275-BEA6-6727F86DCE52}" presName="sp" presStyleCnt="0"/>
@@ -1481,10 +1551,24 @@
     <dgm:pt modelId="{7C2FB781-4C0C-4A5B-92CD-24F15327845E}" type="pres">
       <dgm:prSet presAssocID="{47C92D8C-AE74-40DF-ACB1-0541F38A9058}" presName="parentTextArrow" presStyleLbl="node1" presStyleIdx="2" presStyleCnt="4"/>
       <dgm:spPr/>
+      <dgm:t>
+        <a:bodyPr/>
+        <a:lstStyle/>
+        <a:p>
+          <a:endParaRPr kumimoji="1" lang="ja-JP" altLang="en-US"/>
+        </a:p>
+      </dgm:t>
     </dgm:pt>
     <dgm:pt modelId="{46D74FD4-272C-472D-A722-7F14809ED911}" type="pres">
       <dgm:prSet presAssocID="{47C92D8C-AE74-40DF-ACB1-0541F38A9058}" presName="arrow" presStyleLbl="node1" presStyleIdx="3" presStyleCnt="4"/>
       <dgm:spPr/>
+      <dgm:t>
+        <a:bodyPr/>
+        <a:lstStyle/>
+        <a:p>
+          <a:endParaRPr kumimoji="1" lang="ja-JP" altLang="en-US"/>
+        </a:p>
+      </dgm:t>
     </dgm:pt>
     <dgm:pt modelId="{6A64DDC3-D51C-42CA-A86D-49B60A90FBDB}" type="pres">
       <dgm:prSet presAssocID="{47C92D8C-AE74-40DF-ACB1-0541F38A9058}" presName="descendantArrow" presStyleCnt="0"/>
@@ -1497,30 +1581,37 @@
         </dgm:presLayoutVars>
       </dgm:prSet>
       <dgm:spPr/>
+      <dgm:t>
+        <a:bodyPr/>
+        <a:lstStyle/>
+        <a:p>
+          <a:endParaRPr kumimoji="1" lang="ja-JP" altLang="en-US"/>
+        </a:p>
+      </dgm:t>
     </dgm:pt>
   </dgm:ptLst>
   <dgm:cxnLst>
+    <dgm:cxn modelId="{9C395697-1D2A-4777-9E29-039BDFE5C766}" type="presOf" srcId="{47C92D8C-AE74-40DF-ACB1-0541F38A9058}" destId="{46D74FD4-272C-472D-A722-7F14809ED911}" srcOrd="1" destOrd="0" presId="urn:microsoft.com/office/officeart/2005/8/layout/process4"/>
+    <dgm:cxn modelId="{3C63D926-EADD-4DF7-BC0C-F7404C59D457}" type="presOf" srcId="{47C92D8C-AE74-40DF-ACB1-0541F38A9058}" destId="{7C2FB781-4C0C-4A5B-92CD-24F15327845E}" srcOrd="0" destOrd="0" presId="urn:microsoft.com/office/officeart/2005/8/layout/process4"/>
+    <dgm:cxn modelId="{F11E3D93-C9DF-4134-8C17-0681912EE89F}" type="presOf" srcId="{A01F8570-19F7-4735-8389-145BCE33833C}" destId="{AB1EFA0B-49DB-4D1B-8B35-4A836F1FC4C1}" srcOrd="0" destOrd="0" presId="urn:microsoft.com/office/officeart/2005/8/layout/process4"/>
+    <dgm:cxn modelId="{6FD461CB-F362-4D10-BFED-D15740C2F1CF}" srcId="{47C92D8C-AE74-40DF-ACB1-0541F38A9058}" destId="{D0BB6940-C360-417F-9071-AABAF2780327}" srcOrd="0" destOrd="0" parTransId="{F232C55B-5582-4B3A-9AAC-43ED534CC92E}" sibTransId="{8737633C-0908-48D2-A819-3356936D5551}"/>
+    <dgm:cxn modelId="{9BC2558A-E4AA-4D3B-A816-DA0B452C9779}" type="presOf" srcId="{1AD8B276-4C5D-43A5-AC5D-E28FFE0A25E8}" destId="{E410BAB3-9EFA-4147-A6B9-FE796909F42C}" srcOrd="1" destOrd="0" presId="urn:microsoft.com/office/officeart/2005/8/layout/process4"/>
+    <dgm:cxn modelId="{16BFE94F-FA12-4EB3-B4BB-BEDE7874A033}" srcId="{D511BCA9-A41D-461D-AB9F-8F6C9E648C31}" destId="{1AD8B276-4C5D-43A5-AC5D-E28FFE0A25E8}" srcOrd="3" destOrd="0" parTransId="{475DB744-EEC1-416E-BA27-26F8423D8D6C}" sibTransId="{FBDC8D75-9B5C-4A81-A25E-1CB6B655248A}"/>
+    <dgm:cxn modelId="{770592AE-EA5D-4832-88AF-EFBBA4466BAD}" type="presOf" srcId="{A8588580-F58F-4A40-B0EC-7881A3766C34}" destId="{1534467B-DDF6-4A03-87BF-319ECC84EEE3}" srcOrd="0" destOrd="0" presId="urn:microsoft.com/office/officeart/2005/8/layout/process4"/>
+    <dgm:cxn modelId="{6F54A360-FC06-4377-BC57-7F8B32BC2F14}" type="presOf" srcId="{8BB5EFB2-024E-4BCF-B56F-84EEC1F18CFB}" destId="{BFE52135-3318-47A4-AB9E-32AEC8E1C995}" srcOrd="0" destOrd="0" presId="urn:microsoft.com/office/officeart/2005/8/layout/process4"/>
+    <dgm:cxn modelId="{B5ED2EC1-52B6-463B-B5C2-E6CFC47C5D1A}" type="presOf" srcId="{1AD8B276-4C5D-43A5-AC5D-E28FFE0A25E8}" destId="{57C7292B-5FEA-4490-A7F1-829309F5EDFD}" srcOrd="0" destOrd="0" presId="urn:microsoft.com/office/officeart/2005/8/layout/process4"/>
+    <dgm:cxn modelId="{7AC51271-8594-489D-8C2B-A7EED18F0A89}" srcId="{9D8FC107-15BF-43C3-9F5B-A423269052EC}" destId="{8BB5EFB2-024E-4BCF-B56F-84EEC1F18CFB}" srcOrd="0" destOrd="0" parTransId="{6403F355-4F97-4766-985E-A83F38DABAFC}" sibTransId="{4643642D-C912-4134-B986-FA39283596E3}"/>
+    <dgm:cxn modelId="{B38105C7-69FA-493C-940E-C7D9647A241E}" type="presOf" srcId="{9D8FC107-15BF-43C3-9F5B-A423269052EC}" destId="{B97D71DB-AA15-4CB8-8A3D-F5575E893CCD}" srcOrd="1" destOrd="0" presId="urn:microsoft.com/office/officeart/2005/8/layout/process4"/>
+    <dgm:cxn modelId="{EB4FA676-A8B6-496E-A846-AD7C6E37E9A4}" type="presOf" srcId="{9D8FC107-15BF-43C3-9F5B-A423269052EC}" destId="{815C2DB6-5EE1-417A-A584-55A13AB6F5E9}" srcOrd="0" destOrd="0" presId="urn:microsoft.com/office/officeart/2005/8/layout/process4"/>
     <dgm:cxn modelId="{D3BC3A06-7737-477E-8BFD-09204E1E7191}" srcId="{1AD8B276-4C5D-43A5-AC5D-E28FFE0A25E8}" destId="{A01F8570-19F7-4735-8389-145BCE33833C}" srcOrd="0" destOrd="0" parTransId="{4DB03551-9EFA-4AFE-A1A9-1205EF19EA5B}" sibTransId="{68B89A32-03EB-42C6-A839-430806B5122B}"/>
+    <dgm:cxn modelId="{45AEA120-8E87-4DAB-B1E6-8D4885D9DECB}" type="presOf" srcId="{D0BB6940-C360-417F-9071-AABAF2780327}" destId="{9510E692-3FC8-4DC7-9E92-6282AB79F395}" srcOrd="0" destOrd="0" presId="urn:microsoft.com/office/officeart/2005/8/layout/process4"/>
+    <dgm:cxn modelId="{FBFBE750-57D3-4BFB-B080-D26B3DF1E1DF}" srcId="{D511BCA9-A41D-461D-AB9F-8F6C9E648C31}" destId="{9D8FC107-15BF-43C3-9F5B-A423269052EC}" srcOrd="2" destOrd="0" parTransId="{0D5FF430-CA3F-4F11-9F2D-6740960B4476}" sibTransId="{ABD979B8-BA6F-4A5F-90A0-4BC08C270A91}"/>
+    <dgm:cxn modelId="{73013229-523E-415A-97F2-B607FB1F6529}" srcId="{F0EC518C-1EA5-431A-B4C0-34DF6146AFF4}" destId="{A8588580-F58F-4A40-B0EC-7881A3766C34}" srcOrd="0" destOrd="0" parTransId="{344C79BF-841A-4C58-8EF4-C94A12476FD3}" sibTransId="{2CB5E3B9-A5FF-438E-B800-10C3F503A250}"/>
     <dgm:cxn modelId="{F3E31D0E-260C-4742-905F-D02829F454A7}" srcId="{D511BCA9-A41D-461D-AB9F-8F6C9E648C31}" destId="{47C92D8C-AE74-40DF-ACB1-0541F38A9058}" srcOrd="0" destOrd="0" parTransId="{E97C114E-086F-4B51-9E24-01691B649D63}" sibTransId="{5B557859-CDD4-4275-BEA6-6727F86DCE52}"/>
     <dgm:cxn modelId="{5491E713-E4D2-4C5F-B494-63F950123910}" type="presOf" srcId="{F0EC518C-1EA5-431A-B4C0-34DF6146AFF4}" destId="{1F025B89-C941-4E85-920E-D6908DEE2142}" srcOrd="1" destOrd="0" presId="urn:microsoft.com/office/officeart/2005/8/layout/process4"/>
-    <dgm:cxn modelId="{45AEA120-8E87-4DAB-B1E6-8D4885D9DECB}" type="presOf" srcId="{D0BB6940-C360-417F-9071-AABAF2780327}" destId="{9510E692-3FC8-4DC7-9E92-6282AB79F395}" srcOrd="0" destOrd="0" presId="urn:microsoft.com/office/officeart/2005/8/layout/process4"/>
-    <dgm:cxn modelId="{3C63D926-EADD-4DF7-BC0C-F7404C59D457}" type="presOf" srcId="{47C92D8C-AE74-40DF-ACB1-0541F38A9058}" destId="{7C2FB781-4C0C-4A5B-92CD-24F15327845E}" srcOrd="0" destOrd="0" presId="urn:microsoft.com/office/officeart/2005/8/layout/process4"/>
-    <dgm:cxn modelId="{73013229-523E-415A-97F2-B607FB1F6529}" srcId="{F0EC518C-1EA5-431A-B4C0-34DF6146AFF4}" destId="{A8588580-F58F-4A40-B0EC-7881A3766C34}" srcOrd="0" destOrd="0" parTransId="{344C79BF-841A-4C58-8EF4-C94A12476FD3}" sibTransId="{2CB5E3B9-A5FF-438E-B800-10C3F503A250}"/>
     <dgm:cxn modelId="{36E0C73C-D489-4CA2-B153-F03B5E5B5C39}" srcId="{D511BCA9-A41D-461D-AB9F-8F6C9E648C31}" destId="{F0EC518C-1EA5-431A-B4C0-34DF6146AFF4}" srcOrd="1" destOrd="0" parTransId="{388992C7-93A2-42C4-B4B3-9A3FAA4264B3}" sibTransId="{36C7FED4-A680-40AF-9485-662ABE09B1A5}"/>
-    <dgm:cxn modelId="{6F54A360-FC06-4377-BC57-7F8B32BC2F14}" type="presOf" srcId="{8BB5EFB2-024E-4BCF-B56F-84EEC1F18CFB}" destId="{BFE52135-3318-47A4-AB9E-32AEC8E1C995}" srcOrd="0" destOrd="0" presId="urn:microsoft.com/office/officeart/2005/8/layout/process4"/>
+    <dgm:cxn modelId="{59227BED-221F-4722-A67E-5BEDDCF9068B}" type="presOf" srcId="{F0EC518C-1EA5-431A-B4C0-34DF6146AFF4}" destId="{AE90339B-2B8D-4179-9EC4-906372D4BFE7}" srcOrd="0" destOrd="0" presId="urn:microsoft.com/office/officeart/2005/8/layout/process4"/>
     <dgm:cxn modelId="{A275236A-744E-4B25-B73A-24B5F31ED57E}" type="presOf" srcId="{D511BCA9-A41D-461D-AB9F-8F6C9E648C31}" destId="{827E7C61-AF90-4154-A1C8-C72AF251D608}" srcOrd="0" destOrd="0" presId="urn:microsoft.com/office/officeart/2005/8/layout/process4"/>
-    <dgm:cxn modelId="{16BFE94F-FA12-4EB3-B4BB-BEDE7874A033}" srcId="{D511BCA9-A41D-461D-AB9F-8F6C9E648C31}" destId="{1AD8B276-4C5D-43A5-AC5D-E28FFE0A25E8}" srcOrd="3" destOrd="0" parTransId="{475DB744-EEC1-416E-BA27-26F8423D8D6C}" sibTransId="{FBDC8D75-9B5C-4A81-A25E-1CB6B655248A}"/>
-    <dgm:cxn modelId="{FBFBE750-57D3-4BFB-B080-D26B3DF1E1DF}" srcId="{D511BCA9-A41D-461D-AB9F-8F6C9E648C31}" destId="{9D8FC107-15BF-43C3-9F5B-A423269052EC}" srcOrd="2" destOrd="0" parTransId="{0D5FF430-CA3F-4F11-9F2D-6740960B4476}" sibTransId="{ABD979B8-BA6F-4A5F-90A0-4BC08C270A91}"/>
-    <dgm:cxn modelId="{7AC51271-8594-489D-8C2B-A7EED18F0A89}" srcId="{9D8FC107-15BF-43C3-9F5B-A423269052EC}" destId="{8BB5EFB2-024E-4BCF-B56F-84EEC1F18CFB}" srcOrd="0" destOrd="0" parTransId="{6403F355-4F97-4766-985E-A83F38DABAFC}" sibTransId="{4643642D-C912-4134-B986-FA39283596E3}"/>
-    <dgm:cxn modelId="{EB4FA676-A8B6-496E-A846-AD7C6E37E9A4}" type="presOf" srcId="{9D8FC107-15BF-43C3-9F5B-A423269052EC}" destId="{815C2DB6-5EE1-417A-A584-55A13AB6F5E9}" srcOrd="0" destOrd="0" presId="urn:microsoft.com/office/officeart/2005/8/layout/process4"/>
-    <dgm:cxn modelId="{9BC2558A-E4AA-4D3B-A816-DA0B452C9779}" type="presOf" srcId="{1AD8B276-4C5D-43A5-AC5D-E28FFE0A25E8}" destId="{E410BAB3-9EFA-4147-A6B9-FE796909F42C}" srcOrd="1" destOrd="0" presId="urn:microsoft.com/office/officeart/2005/8/layout/process4"/>
-    <dgm:cxn modelId="{F11E3D93-C9DF-4134-8C17-0681912EE89F}" type="presOf" srcId="{A01F8570-19F7-4735-8389-145BCE33833C}" destId="{AB1EFA0B-49DB-4D1B-8B35-4A836F1FC4C1}" srcOrd="0" destOrd="0" presId="urn:microsoft.com/office/officeart/2005/8/layout/process4"/>
-    <dgm:cxn modelId="{9C395697-1D2A-4777-9E29-039BDFE5C766}" type="presOf" srcId="{47C92D8C-AE74-40DF-ACB1-0541F38A9058}" destId="{46D74FD4-272C-472D-A722-7F14809ED911}" srcOrd="1" destOrd="0" presId="urn:microsoft.com/office/officeart/2005/8/layout/process4"/>
-    <dgm:cxn modelId="{770592AE-EA5D-4832-88AF-EFBBA4466BAD}" type="presOf" srcId="{A8588580-F58F-4A40-B0EC-7881A3766C34}" destId="{1534467B-DDF6-4A03-87BF-319ECC84EEE3}" srcOrd="0" destOrd="0" presId="urn:microsoft.com/office/officeart/2005/8/layout/process4"/>
-    <dgm:cxn modelId="{B5ED2EC1-52B6-463B-B5C2-E6CFC47C5D1A}" type="presOf" srcId="{1AD8B276-4C5D-43A5-AC5D-E28FFE0A25E8}" destId="{57C7292B-5FEA-4490-A7F1-829309F5EDFD}" srcOrd="0" destOrd="0" presId="urn:microsoft.com/office/officeart/2005/8/layout/process4"/>
-    <dgm:cxn modelId="{B38105C7-69FA-493C-940E-C7D9647A241E}" type="presOf" srcId="{9D8FC107-15BF-43C3-9F5B-A423269052EC}" destId="{B97D71DB-AA15-4CB8-8A3D-F5575E893CCD}" srcOrd="1" destOrd="0" presId="urn:microsoft.com/office/officeart/2005/8/layout/process4"/>
-    <dgm:cxn modelId="{6FD461CB-F362-4D10-BFED-D15740C2F1CF}" srcId="{47C92D8C-AE74-40DF-ACB1-0541F38A9058}" destId="{D0BB6940-C360-417F-9071-AABAF2780327}" srcOrd="0" destOrd="0" parTransId="{F232C55B-5582-4B3A-9AAC-43ED534CC92E}" sibTransId="{8737633C-0908-48D2-A819-3356936D5551}"/>
-    <dgm:cxn modelId="{59227BED-221F-4722-A67E-5BEDDCF9068B}" type="presOf" srcId="{F0EC518C-1EA5-431A-B4C0-34DF6146AFF4}" destId="{AE90339B-2B8D-4179-9EC4-906372D4BFE7}" srcOrd="0" destOrd="0" presId="urn:microsoft.com/office/officeart/2005/8/layout/process4"/>
     <dgm:cxn modelId="{E40950DD-B432-4CAA-AF86-43DBEDC55EB5}" type="presParOf" srcId="{827E7C61-AF90-4154-A1C8-C72AF251D608}" destId="{1590779C-7EF1-40B3-ADEF-E7F4C5EA3ED7}" srcOrd="0" destOrd="0" presId="urn:microsoft.com/office/officeart/2005/8/layout/process4"/>
     <dgm:cxn modelId="{DA0F60AA-80A5-43DD-8148-9A546FCA9ED3}" type="presParOf" srcId="{1590779C-7EF1-40B3-ADEF-E7F4C5EA3ED7}" destId="{57C7292B-5FEA-4490-A7F1-829309F5EDFD}" srcOrd="0" destOrd="0" presId="urn:microsoft.com/office/officeart/2005/8/layout/process4"/>
     <dgm:cxn modelId="{FDC36781-2554-4BF9-98EE-220F81BB7440}" type="presParOf" srcId="{1590779C-7EF1-40B3-ADEF-E7F4C5EA3ED7}" destId="{E410BAB3-9EFA-4147-A6B9-FE796909F42C}" srcOrd="1" destOrd="0" presId="urn:microsoft.com/office/officeart/2005/8/layout/process4"/>
@@ -1617,7 +1708,7 @@
         </a:bodyPr>
         <a:lstStyle/>
         <a:p>
-          <a:pPr marL="0" lvl="0" indent="0" algn="ctr" defTabSz="666750">
+          <a:pPr lvl="0" algn="ctr" defTabSz="666750">
             <a:lnSpc>
               <a:spcPct val="90000"/>
             </a:lnSpc>
@@ -1627,7 +1718,6 @@
             <a:spcAft>
               <a:spcPct val="35000"/>
             </a:spcAft>
-            <a:buNone/>
           </a:pPr>
           <a:r>
             <a:rPr lang="en-US" altLang="ja-JP" sz="1500" kern="1200" dirty="0"/>
@@ -1700,7 +1790,7 @@
         </a:bodyPr>
         <a:lstStyle/>
         <a:p>
-          <a:pPr marL="0" lvl="0" indent="0" algn="ctr" defTabSz="666750">
+          <a:pPr lvl="0" algn="ctr" defTabSz="666750">
             <a:lnSpc>
               <a:spcPct val="90000"/>
             </a:lnSpc>
@@ -1710,7 +1800,6 @@
             <a:spcAft>
               <a:spcPct val="35000"/>
             </a:spcAft>
-            <a:buNone/>
           </a:pPr>
           <a:r>
             <a:rPr lang="en-US" altLang="ja-JP" sz="1500" kern="1200" dirty="0"/>
@@ -1789,7 +1878,7 @@
         </a:bodyPr>
         <a:lstStyle/>
         <a:p>
-          <a:pPr marL="0" lvl="0" indent="0" algn="ctr" defTabSz="666750">
+          <a:pPr lvl="0" algn="ctr" defTabSz="666750">
             <a:lnSpc>
               <a:spcPct val="90000"/>
             </a:lnSpc>
@@ -1799,7 +1888,6 @@
             <a:spcAft>
               <a:spcPct val="35000"/>
             </a:spcAft>
-            <a:buNone/>
           </a:pPr>
           <a:r>
             <a:rPr lang="ja-JP" altLang="en-US" sz="1500" kern="1200" dirty="0"/>
@@ -1868,7 +1956,7 @@
         </a:bodyPr>
         <a:lstStyle/>
         <a:p>
-          <a:pPr marL="0" lvl="0" indent="0" algn="ctr" defTabSz="666750">
+          <a:pPr lvl="0" algn="ctr" defTabSz="666750">
             <a:lnSpc>
               <a:spcPct val="90000"/>
             </a:lnSpc>
@@ -1878,7 +1966,6 @@
             <a:spcAft>
               <a:spcPct val="35000"/>
             </a:spcAft>
-            <a:buNone/>
           </a:pPr>
           <a:r>
             <a:rPr lang="ja-JP" altLang="en-US" sz="1500" kern="1200" dirty="0"/>
@@ -1945,7 +2032,7 @@
         </a:bodyPr>
         <a:lstStyle/>
         <a:p>
-          <a:pPr marL="0" lvl="0" indent="0" algn="ctr" defTabSz="666750">
+          <a:pPr lvl="0" algn="ctr" defTabSz="666750">
             <a:lnSpc>
               <a:spcPct val="90000"/>
             </a:lnSpc>
@@ -1955,7 +2042,6 @@
             <a:spcAft>
               <a:spcPct val="35000"/>
             </a:spcAft>
-            <a:buNone/>
           </a:pPr>
           <a:r>
             <a:rPr lang="ja-JP" altLang="en-US" sz="1500" kern="1200" dirty="0"/>
@@ -2024,7 +2110,7 @@
         </a:bodyPr>
         <a:lstStyle/>
         <a:p>
-          <a:pPr marL="0" lvl="0" indent="0" algn="ctr" defTabSz="666750">
+          <a:pPr lvl="0" algn="ctr" defTabSz="666750">
             <a:lnSpc>
               <a:spcPct val="90000"/>
             </a:lnSpc>
@@ -2034,7 +2120,6 @@
             <a:spcAft>
               <a:spcPct val="35000"/>
             </a:spcAft>
-            <a:buNone/>
           </a:pPr>
           <a:r>
             <a:rPr lang="ja-JP" altLang="en-US" sz="1500" kern="1200" dirty="0"/>
@@ -2101,7 +2186,7 @@
         </a:bodyPr>
         <a:lstStyle/>
         <a:p>
-          <a:pPr marL="0" lvl="0" indent="0" algn="ctr" defTabSz="711200">
+          <a:pPr lvl="0" algn="ctr" defTabSz="711200">
             <a:lnSpc>
               <a:spcPct val="90000"/>
             </a:lnSpc>
@@ -2111,7 +2196,6 @@
             <a:spcAft>
               <a:spcPct val="35000"/>
             </a:spcAft>
-            <a:buNone/>
           </a:pPr>
           <a:r>
             <a:rPr lang="ja-JP" altLang="en-US" sz="1600" kern="1200" dirty="0"/>
@@ -2180,7 +2264,7 @@
         </a:bodyPr>
         <a:lstStyle/>
         <a:p>
-          <a:pPr marL="0" lvl="0" indent="0" algn="ctr" defTabSz="666750">
+          <a:pPr lvl="0" algn="ctr" defTabSz="666750">
             <a:lnSpc>
               <a:spcPct val="90000"/>
             </a:lnSpc>
@@ -2190,7 +2274,6 @@
             <a:spcAft>
               <a:spcPct val="35000"/>
             </a:spcAft>
-            <a:buNone/>
           </a:pPr>
           <a:r>
             <a:rPr lang="ja-JP" altLang="en-US" sz="1500" kern="1200" dirty="0"/>
@@ -3680,7 +3763,7 @@
               <a:rPr kumimoji="1" lang="ja-JP" altLang="en-US" smtClean="0">
                 <a:ea typeface="メイリオ" panose="020B0604030504040204" pitchFamily="50" charset="-128"/>
               </a:rPr>
-              <a:t>2022/2/24</a:t>
+              <a:t>2022/3/2</a:t>
             </a:fld>
             <a:endParaRPr kumimoji="1" lang="ja-JP" altLang="en-US" dirty="0">
               <a:ea typeface="メイリオ" panose="020B0604030504040204" pitchFamily="50" charset="-128"/>
@@ -3826,7 +3909,7 @@
             <a:fld id="{4B26993D-C081-44EB-B0F5-A9F467792B62}" type="datetimeFigureOut">
               <a:rPr lang="ja-JP" altLang="en-US" smtClean="0"/>
               <a:pPr/>
-              <a:t>2022/2/24</a:t>
+              <a:t>2022/3/2</a:t>
             </a:fld>
             <a:endParaRPr lang="ja-JP" altLang="en-US" dirty="0"/>
           </a:p>
@@ -5703,6 +5786,10 @@
               <a:rPr kumimoji="1" lang="ja-JP" altLang="en-US" dirty="0"/>
               <a:t>行にわたる場合は</a:t>
             </a:r>
+            <a:r>
+              <a:rPr kumimoji="1" lang="en-US" altLang="ja-JP" dirty="0"/>
+              <a:t/>
+            </a:r>
             <a:br>
               <a:rPr kumimoji="1" lang="en-US" altLang="ja-JP" dirty="0"/>
             </a:br>
@@ -7541,15 +7628,19 @@
               <a:t>第</a:t>
             </a:r>
             <a:r>
+              <a:rPr lang="en-US" altLang="ja-JP" dirty="0" smtClean="0"/>
+              <a:t>1.</a:t>
+            </a:r>
+            <a:r>
               <a:rPr lang="en-US" altLang="ja-JP" dirty="0"/>
-              <a:t>1.0</a:t>
-            </a:r>
-            <a:r>
-              <a:rPr lang="ja-JP" altLang="en-US" dirty="0"/>
+              <a:t>1</a:t>
+            </a:r>
+            <a:r>
+              <a:rPr lang="ja-JP" altLang="en-US" dirty="0" smtClean="0"/>
               <a:t>版</a:t>
             </a:r>
             <a:r>
-              <a:rPr lang="en-US" altLang="ja-JP" dirty="0"/>
+              <a:rPr lang="en-US" altLang="ja-JP" dirty="0" smtClean="0"/>
               <a:t> </a:t>
             </a:r>
             <a:r>
@@ -13338,6 +13429,10 @@
               <a:rPr lang="ja-JP" altLang="en-US" sz="2000" dirty="0"/>
               <a:t>の値を入力して「更新」ボタンをクリック</a:t>
             </a:r>
+            <a:r>
+              <a:rPr lang="en-US" altLang="ja-JP" sz="2000" dirty="0"/>
+              <a:t/>
+            </a:r>
             <a:br>
               <a:rPr lang="en-US" altLang="ja-JP" sz="2000" dirty="0"/>
             </a:br>
@@ -13348,6 +13443,10 @@
             <a:r>
               <a:rPr lang="ja-JP" altLang="en-US" sz="2000" dirty="0"/>
               <a:t>各手順の詳細は下記資料をご参照ください。</a:t>
+            </a:r>
+            <a:r>
+              <a:rPr lang="en-US" altLang="ja-JP" sz="2000" dirty="0"/>
+              <a:t/>
             </a:r>
             <a:br>
               <a:rPr lang="en-US" altLang="ja-JP" sz="2000" dirty="0"/>
@@ -13379,6 +13478,10 @@
                 <a:hlinkClick r:id="rId3"/>
               </a:rPr>
               <a:t>管理コンソール</a:t>
+            </a:r>
+            <a:r>
+              <a:rPr lang="en-US" altLang="ja-JP" sz="2000" dirty="0"/>
+              <a:t/>
             </a:r>
             <a:br>
               <a:rPr lang="en-US" altLang="ja-JP" sz="2000" dirty="0"/>
@@ -13837,7 +13940,7 @@
       </p:grpSpPr>
       <p:pic>
         <p:nvPicPr>
-          <p:cNvPr id="2" name="図 1"/>
+          <p:cNvPr id="7" name="図 6"/>
           <p:cNvPicPr>
             <a:picLocks noChangeAspect="1"/>
           </p:cNvPicPr>
@@ -13851,8 +13954,8 @@
         </p:blipFill>
         <p:spPr>
           <a:xfrm>
-            <a:off x="246530" y="1490831"/>
-            <a:ext cx="7128990" cy="4995497"/>
+            <a:off x="239350" y="1484730"/>
+            <a:ext cx="7224840" cy="5029284"/>
           </a:xfrm>
           <a:prstGeom prst="rect">
             <a:avLst/>
@@ -14131,7 +14234,7 @@
         </p:nvSpPr>
         <p:spPr bwMode="auto">
           <a:xfrm>
-            <a:off x="4546070" y="4554870"/>
+            <a:off x="3038898" y="4587807"/>
             <a:ext cx="792110" cy="936130"/>
           </a:xfrm>
           <a:prstGeom prst="rect">
@@ -15878,7 +15981,7 @@
       </p:grpSpPr>
       <p:pic>
         <p:nvPicPr>
-          <p:cNvPr id="7" name="図 6"/>
+          <p:cNvPr id="3" name="図 2"/>
           <p:cNvPicPr>
             <a:picLocks noChangeAspect="1"/>
           </p:cNvPicPr>
@@ -15892,8 +15995,8 @@
         </p:blipFill>
         <p:spPr>
           <a:xfrm>
-            <a:off x="239350" y="1465978"/>
-            <a:ext cx="7224840" cy="4987210"/>
+            <a:off x="239350" y="1484730"/>
+            <a:ext cx="7158494" cy="5040700"/>
           </a:xfrm>
           <a:prstGeom prst="rect">
             <a:avLst/>
@@ -16171,7 +16274,7 @@
         </p:nvSpPr>
         <p:spPr bwMode="auto">
           <a:xfrm>
-            <a:off x="5303890" y="4554870"/>
+            <a:off x="3793125" y="4600824"/>
             <a:ext cx="792110" cy="936130"/>
           </a:xfrm>
           <a:prstGeom prst="rect">
@@ -19468,22 +19571,44 @@
       </p:grpSpPr>
       <p:pic>
         <p:nvPicPr>
-          <p:cNvPr id="6" name="図 5"/>
+          <p:cNvPr id="2" name="図 1"/>
           <p:cNvPicPr>
             <a:picLocks noChangeAspect="1"/>
           </p:cNvPicPr>
           <p:nvPr/>
         </p:nvPicPr>
-        <p:blipFill>
+        <p:blipFill rotWithShape="1">
           <a:blip r:embed="rId3"/>
-          <a:stretch>
-            <a:fillRect/>
-          </a:stretch>
+          <a:srcRect r="126"/>
+          <a:stretch/>
         </p:blipFill>
         <p:spPr>
           <a:xfrm>
-            <a:off x="299880" y="1224129"/>
-            <a:ext cx="7668380" cy="5283477"/>
+            <a:off x="239350" y="1268701"/>
+            <a:ext cx="6822600" cy="4824670"/>
+          </a:xfrm>
+          <a:prstGeom prst="rect">
+            <a:avLst/>
+          </a:prstGeom>
+        </p:spPr>
+      </p:pic>
+      <p:pic>
+        <p:nvPicPr>
+          <p:cNvPr id="9" name="図 8"/>
+          <p:cNvPicPr>
+            <a:picLocks noChangeAspect="1"/>
+          </p:cNvPicPr>
+          <p:nvPr/>
+        </p:nvPicPr>
+        <p:blipFill rotWithShape="1">
+          <a:blip r:embed="rId4"/>
+          <a:srcRect/>
+          <a:stretch/>
+        </p:blipFill>
+        <p:spPr>
+          <a:xfrm>
+            <a:off x="5259033" y="1628750"/>
+            <a:ext cx="6867599" cy="4824670"/>
           </a:xfrm>
           <a:prstGeom prst="rect">
             <a:avLst/>
@@ -19742,8 +19867,8 @@
         </p:nvSpPr>
         <p:spPr bwMode="auto">
           <a:xfrm>
-            <a:off x="1487360" y="5519502"/>
-            <a:ext cx="936130" cy="988104"/>
+            <a:off x="4374558" y="4240775"/>
+            <a:ext cx="763194" cy="913280"/>
           </a:xfrm>
           <a:prstGeom prst="rect">
             <a:avLst/>
@@ -19772,40 +19897,16 @@
           </a:p>
         </p:txBody>
       </p:sp>
-      <p:pic>
-        <p:nvPicPr>
-          <p:cNvPr id="7" name="図 6"/>
-          <p:cNvPicPr>
-            <a:picLocks noChangeAspect="1"/>
-          </p:cNvPicPr>
-          <p:nvPr/>
-        </p:nvPicPr>
-        <p:blipFill>
-          <a:blip r:embed="rId4"/>
-          <a:stretch>
-            <a:fillRect/>
-          </a:stretch>
-        </p:blipFill>
-        <p:spPr>
-          <a:xfrm>
-            <a:off x="4123232" y="1210439"/>
-            <a:ext cx="7690055" cy="5283477"/>
-          </a:xfrm>
-          <a:prstGeom prst="rect">
-            <a:avLst/>
-          </a:prstGeom>
-        </p:spPr>
-      </p:pic>
       <p:sp>
         <p:nvSpPr>
-          <p:cNvPr id="8" name="正方形/長方形 7"/>
+          <p:cNvPr id="10" name="正方形/長方形 9"/>
           <p:cNvSpPr/>
           <p:nvPr/>
         </p:nvSpPr>
         <p:spPr bwMode="auto">
           <a:xfrm>
-            <a:off x="6193402" y="5512657"/>
-            <a:ext cx="936130" cy="988104"/>
+            <a:off x="10186931" y="4613842"/>
+            <a:ext cx="763194" cy="913280"/>
           </a:xfrm>
           <a:prstGeom prst="rect">
             <a:avLst/>
@@ -29133,6 +29234,12 @@
               </a:rPr>
               <a:t>メニュー作成方法の詳細は下記資料を参照</a:t>
             </a:r>
+            <a:r>
+              <a:rPr lang="en-US" altLang="ja-JP" sz="1600" dirty="0">
+                <a:latin typeface="+mn-ea"/>
+              </a:rPr>
+              <a:t/>
+            </a:r>
             <a:br>
               <a:rPr lang="en-US" altLang="ja-JP" sz="1600" dirty="0">
                 <a:latin typeface="+mn-ea"/>
@@ -37952,6 +38059,10 @@
             <a:r>
               <a:rPr lang="ja-JP" altLang="en-US" dirty="0"/>
               <a:t>」がうまくいっていない可能性があります。</a:t>
+            </a:r>
+            <a:r>
+              <a:rPr lang="en-US" altLang="ja-JP" dirty="0"/>
+              <a:t/>
             </a:r>
             <a:br>
               <a:rPr lang="en-US" altLang="ja-JP" dirty="0"/>
